--- a/vizsgaremek/Bookli.pptx
+++ b/vizsgaremek/Bookli.pptx
@@ -289,7 +289,7 @@
       </p15:notesGuideLst>
     </p:ext>
     <p:ext uri="GoogleSlidesCustomDataVersion2">
-      <go:slidesCustomData xmlns:go="http://customooxmlschemas.google.com/" r:id="rId20" roundtripDataSignature="AMtx7miCJBq6UiqDTOG0Vpctwa0JI77cYQ=="/>
+      <go:slidesCustomData xmlns:go="http://customooxmlschemas.google.com/" r:id="rId20" roundtripDataSignature="AMtx7mgxg0SOMYossExj/qJZzpKNPPxpxw=="/>
     </p:ext>
   </p:extLst>
 </p:presentation>
@@ -1417,7 +1417,7 @@
   <p:cSld>
     <p:spTree>
       <p:nvGrpSpPr>
-        <p:cNvPr id="103" name="Shape 103"/>
+        <p:cNvPr id="104" name="Shape 104"/>
         <p:cNvGrpSpPr/>
         <p:nvPr/>
       </p:nvGrpSpPr>
@@ -1431,7 +1431,7 @@
       </p:grpSpPr>
       <p:sp>
         <p:nvSpPr>
-          <p:cNvPr id="104" name="Google Shape;104;p7:notes"/>
+          <p:cNvPr id="105" name="Google Shape;105;p7:notes"/>
           <p:cNvSpPr/>
           <p:nvPr>
             <p:ph idx="2" type="sldImg"/>
@@ -1478,7 +1478,7 @@
       </p:sp>
       <p:sp>
         <p:nvSpPr>
-          <p:cNvPr id="105" name="Google Shape;105;p7:notes"/>
+          <p:cNvPr id="106" name="Google Shape;106;p7:notes"/>
           <p:cNvSpPr txBox="1"/>
           <p:nvPr>
             <p:ph idx="1" type="body"/>
@@ -11156,8 +11156,8 @@
         </p:nvSpPr>
         <p:spPr>
           <a:xfrm>
-            <a:off x="685775" y="2064175"/>
-            <a:ext cx="4289100" cy="3570900"/>
+            <a:off x="440050" y="1840800"/>
+            <a:ext cx="4609200" cy="3940500"/>
           </a:xfrm>
           <a:prstGeom prst="rect">
             <a:avLst/>
@@ -11173,7 +11173,7 @@
           </a:bodyPr>
           <a:lstStyle/>
           <a:p>
-            <a:pPr indent="-355600" lvl="0" marL="457200" rtl="0" algn="l">
+            <a:pPr indent="-381000" lvl="0" marL="457200" rtl="0" algn="l">
               <a:spcBef>
                 <a:spcPts val="0"/>
               </a:spcBef>
@@ -11181,16 +11181,16 @@
                 <a:spcPts val="0"/>
               </a:spcAft>
               <a:buClr>
-                <a:srgbClr val="68370F"/>
+                <a:schemeClr val="dk1"/>
               </a:buClr>
-              <a:buSzPts val="2000"/>
+              <a:buSzPts val="2400"/>
               <a:buFont typeface="Century Gothic"/>
               <a:buChar char="●"/>
             </a:pPr>
             <a:r>
-              <a:rPr lang="en-US" sz="2000">
-                <a:solidFill>
-                  <a:srgbClr val="68370F"/>
+              <a:rPr lang="en-US" sz="2400">
+                <a:solidFill>
+                  <a:schemeClr val="dk1"/>
                 </a:solidFill>
                 <a:latin typeface="Century Gothic"/>
                 <a:ea typeface="Century Gothic"/>
@@ -11199,9 +11199,9 @@
               </a:rPr>
               <a:t>Felhasználók</a:t>
             </a:r>
-            <a:endParaRPr sz="2000">
+            <a:endParaRPr sz="2400">
               <a:solidFill>
-                <a:srgbClr val="68370F"/>
+                <a:schemeClr val="dk1"/>
               </a:solidFill>
               <a:latin typeface="Century Gothic"/>
               <a:ea typeface="Century Gothic"/>
@@ -11210,7 +11210,7 @@
             </a:endParaRPr>
           </a:p>
           <a:p>
-            <a:pPr indent="-355600" lvl="0" marL="457200" rtl="0" algn="l">
+            <a:pPr indent="-381000" lvl="0" marL="457200" rtl="0" algn="l">
               <a:spcBef>
                 <a:spcPts val="0"/>
               </a:spcBef>
@@ -11218,16 +11218,16 @@
                 <a:spcPts val="0"/>
               </a:spcAft>
               <a:buClr>
-                <a:srgbClr val="68370F"/>
+                <a:schemeClr val="dk1"/>
               </a:buClr>
-              <a:buSzPts val="2000"/>
+              <a:buSzPts val="2400"/>
               <a:buFont typeface="Century Gothic"/>
               <a:buChar char="●"/>
             </a:pPr>
             <a:r>
-              <a:rPr lang="en-US" sz="2000">
-                <a:solidFill>
-                  <a:srgbClr val="68370F"/>
+              <a:rPr lang="en-US" sz="2400">
+                <a:solidFill>
+                  <a:schemeClr val="dk1"/>
                 </a:solidFill>
                 <a:latin typeface="Century Gothic"/>
                 <a:ea typeface="Century Gothic"/>
@@ -11236,9 +11236,9 @@
               </a:rPr>
               <a:t>Könyvek</a:t>
             </a:r>
-            <a:endParaRPr sz="2000">
+            <a:endParaRPr sz="2400">
               <a:solidFill>
-                <a:srgbClr val="68370F"/>
+                <a:schemeClr val="dk1"/>
               </a:solidFill>
               <a:latin typeface="Century Gothic"/>
               <a:ea typeface="Century Gothic"/>
@@ -11247,7 +11247,7 @@
             </a:endParaRPr>
           </a:p>
           <a:p>
-            <a:pPr indent="-355600" lvl="0" marL="457200" rtl="0" algn="l">
+            <a:pPr indent="-381000" lvl="0" marL="457200" rtl="0" algn="l">
               <a:spcBef>
                 <a:spcPts val="0"/>
               </a:spcBef>
@@ -11255,16 +11255,16 @@
                 <a:spcPts val="0"/>
               </a:spcAft>
               <a:buClr>
-                <a:srgbClr val="68370F"/>
+                <a:schemeClr val="dk1"/>
               </a:buClr>
-              <a:buSzPts val="2000"/>
+              <a:buSzPts val="2400"/>
               <a:buFont typeface="Century Gothic"/>
               <a:buChar char="●"/>
             </a:pPr>
             <a:r>
-              <a:rPr lang="en-US" sz="2000">
-                <a:solidFill>
-                  <a:srgbClr val="68370F"/>
+              <a:rPr lang="en-US" sz="2400">
+                <a:solidFill>
+                  <a:schemeClr val="dk1"/>
                 </a:solidFill>
                 <a:latin typeface="Century Gothic"/>
                 <a:ea typeface="Century Gothic"/>
@@ -11273,9 +11273,9 @@
               </a:rPr>
               <a:t>Könyv listák</a:t>
             </a:r>
-            <a:endParaRPr sz="2000">
+            <a:endParaRPr sz="2400">
               <a:solidFill>
-                <a:srgbClr val="68370F"/>
+                <a:schemeClr val="dk1"/>
               </a:solidFill>
               <a:latin typeface="Century Gothic"/>
               <a:ea typeface="Century Gothic"/>
@@ -11284,7 +11284,7 @@
             </a:endParaRPr>
           </a:p>
           <a:p>
-            <a:pPr indent="-355600" lvl="0" marL="457200" rtl="0" algn="l">
+            <a:pPr indent="-381000" lvl="0" marL="457200" rtl="0" algn="l">
               <a:spcBef>
                 <a:spcPts val="0"/>
               </a:spcBef>
@@ -11292,16 +11292,16 @@
                 <a:spcPts val="0"/>
               </a:spcAft>
               <a:buClr>
-                <a:srgbClr val="68370F"/>
+                <a:schemeClr val="dk1"/>
               </a:buClr>
-              <a:buSzPts val="2000"/>
+              <a:buSzPts val="2400"/>
               <a:buFont typeface="Century Gothic"/>
               <a:buChar char="●"/>
             </a:pPr>
             <a:r>
-              <a:rPr lang="en-US" sz="2000">
-                <a:solidFill>
-                  <a:srgbClr val="68370F"/>
+              <a:rPr lang="en-US" sz="2400">
+                <a:solidFill>
+                  <a:schemeClr val="dk1"/>
                 </a:solidFill>
                 <a:latin typeface="Century Gothic"/>
                 <a:ea typeface="Century Gothic"/>
@@ -11310,9 +11310,9 @@
               </a:rPr>
               <a:t>Értékelések(vélemények)</a:t>
             </a:r>
-            <a:endParaRPr sz="2000">
+            <a:endParaRPr sz="2400">
               <a:solidFill>
-                <a:srgbClr val="68370F"/>
+                <a:schemeClr val="dk1"/>
               </a:solidFill>
               <a:latin typeface="Century Gothic"/>
               <a:ea typeface="Century Gothic"/>
@@ -11321,7 +11321,7 @@
             </a:endParaRPr>
           </a:p>
           <a:p>
-            <a:pPr indent="-355600" lvl="0" marL="457200" rtl="0" algn="l">
+            <a:pPr indent="-381000" lvl="0" marL="457200" rtl="0" algn="l">
               <a:spcBef>
                 <a:spcPts val="0"/>
               </a:spcBef>
@@ -11329,16 +11329,16 @@
                 <a:spcPts val="0"/>
               </a:spcAft>
               <a:buClr>
-                <a:srgbClr val="68370F"/>
+                <a:schemeClr val="dk1"/>
               </a:buClr>
-              <a:buSzPts val="2000"/>
+              <a:buSzPts val="2400"/>
               <a:buFont typeface="Century Gothic"/>
               <a:buChar char="●"/>
             </a:pPr>
             <a:r>
-              <a:rPr lang="en-US" sz="2000">
-                <a:solidFill>
-                  <a:srgbClr val="68370F"/>
+              <a:rPr lang="en-US" sz="2400">
+                <a:solidFill>
+                  <a:schemeClr val="dk1"/>
                 </a:solidFill>
                 <a:latin typeface="Century Gothic"/>
                 <a:ea typeface="Century Gothic"/>
@@ -11347,9 +11347,9 @@
               </a:rPr>
               <a:t>Kosár funkció</a:t>
             </a:r>
-            <a:endParaRPr sz="2000">
+            <a:endParaRPr sz="2400">
               <a:solidFill>
-                <a:srgbClr val="68370F"/>
+                <a:schemeClr val="dk1"/>
               </a:solidFill>
               <a:latin typeface="Century Gothic"/>
               <a:ea typeface="Century Gothic"/>
@@ -11358,7 +11358,7 @@
             </a:endParaRPr>
           </a:p>
           <a:p>
-            <a:pPr indent="-355600" lvl="0" marL="457200" rtl="0" algn="l">
+            <a:pPr indent="-381000" lvl="0" marL="457200" rtl="0" algn="l">
               <a:spcBef>
                 <a:spcPts val="0"/>
               </a:spcBef>
@@ -11366,16 +11366,16 @@
                 <a:spcPts val="0"/>
               </a:spcAft>
               <a:buClr>
-                <a:srgbClr val="68370F"/>
+                <a:schemeClr val="dk1"/>
               </a:buClr>
-              <a:buSzPts val="2000"/>
+              <a:buSzPts val="2400"/>
               <a:buFont typeface="Century Gothic"/>
               <a:buChar char="●"/>
             </a:pPr>
             <a:r>
-              <a:rPr lang="en-US" sz="2000">
-                <a:solidFill>
-                  <a:srgbClr val="68370F"/>
+              <a:rPr lang="en-US" sz="2400">
+                <a:solidFill>
+                  <a:schemeClr val="dk1"/>
                 </a:solidFill>
                 <a:latin typeface="Century Gothic"/>
                 <a:ea typeface="Century Gothic"/>
@@ -11384,9 +11384,9 @@
               </a:rPr>
               <a:t>Vásárlás</a:t>
             </a:r>
-            <a:endParaRPr sz="2000">
+            <a:endParaRPr sz="2400">
               <a:solidFill>
-                <a:srgbClr val="68370F"/>
+                <a:schemeClr val="dk1"/>
               </a:solidFill>
               <a:latin typeface="Century Gothic"/>
               <a:ea typeface="Century Gothic"/>
@@ -11395,7 +11395,7 @@
             </a:endParaRPr>
           </a:p>
           <a:p>
-            <a:pPr indent="-355600" lvl="0" marL="457200" rtl="0" algn="l">
+            <a:pPr indent="-381000" lvl="0" marL="457200" rtl="0" algn="l">
               <a:spcBef>
                 <a:spcPts val="0"/>
               </a:spcBef>
@@ -11403,16 +11403,16 @@
                 <a:spcPts val="0"/>
               </a:spcAft>
               <a:buClr>
-                <a:srgbClr val="68370F"/>
+                <a:schemeClr val="dk1"/>
               </a:buClr>
-              <a:buSzPts val="2000"/>
+              <a:buSzPts val="2400"/>
               <a:buFont typeface="Century Gothic"/>
               <a:buChar char="●"/>
             </a:pPr>
             <a:r>
-              <a:rPr lang="en-US" sz="2000">
-                <a:solidFill>
-                  <a:srgbClr val="68370F"/>
+              <a:rPr lang="en-US" sz="2400">
+                <a:solidFill>
+                  <a:schemeClr val="dk1"/>
                 </a:solidFill>
                 <a:latin typeface="Century Gothic"/>
                 <a:ea typeface="Century Gothic"/>
@@ -11421,7 +11421,35 @@
               </a:rPr>
               <a:t>Részletes naplózás</a:t>
             </a:r>
-            <a:endParaRPr sz="2000">
+            <a:endParaRPr sz="2400">
+              <a:solidFill>
+                <a:schemeClr val="dk1"/>
+              </a:solidFill>
+              <a:latin typeface="Century Gothic"/>
+              <a:ea typeface="Century Gothic"/>
+              <a:cs typeface="Century Gothic"/>
+              <a:sym typeface="Century Gothic"/>
+            </a:endParaRPr>
+          </a:p>
+          <a:p>
+            <a:pPr indent="0" lvl="0" marL="0" rtl="0" algn="l">
+              <a:spcBef>
+                <a:spcPts val="0"/>
+              </a:spcBef>
+              <a:spcAft>
+                <a:spcPts val="0"/>
+              </a:spcAft>
+              <a:buClr>
+                <a:schemeClr val="dk1"/>
+              </a:buClr>
+              <a:buSzPts val="1100"/>
+              <a:buFont typeface="Arial"/>
+              <a:buNone/>
+            </a:pPr>
+            <a:r>
+              <a:t/>
+            </a:r>
+            <a:endParaRPr sz="1900">
               <a:solidFill>
                 <a:srgbClr val="68370F"/>
               </a:solidFill>
@@ -11449,7 +11477,7 @@
             <a:r>
               <a:t/>
             </a:r>
-            <a:endParaRPr sz="2000">
+            <a:endParaRPr sz="1900">
               <a:solidFill>
                 <a:srgbClr val="68370F"/>
               </a:solidFill>
@@ -11477,7 +11505,7 @@
             <a:r>
               <a:t/>
             </a:r>
-            <a:endParaRPr sz="2000">
+            <a:endParaRPr sz="1900">
               <a:solidFill>
                 <a:srgbClr val="68370F"/>
               </a:solidFill>
@@ -11495,40 +11523,12 @@
               <a:spcAft>
                 <a:spcPts val="0"/>
               </a:spcAft>
-              <a:buClr>
-                <a:schemeClr val="dk1"/>
-              </a:buClr>
-              <a:buSzPts val="1100"/>
-              <a:buFont typeface="Arial"/>
               <a:buNone/>
             </a:pPr>
             <a:r>
               <a:t/>
             </a:r>
-            <a:endParaRPr sz="2000">
-              <a:solidFill>
-                <a:srgbClr val="68370F"/>
-              </a:solidFill>
-              <a:latin typeface="Century Gothic"/>
-              <a:ea typeface="Century Gothic"/>
-              <a:cs typeface="Century Gothic"/>
-              <a:sym typeface="Century Gothic"/>
-            </a:endParaRPr>
-          </a:p>
-          <a:p>
-            <a:pPr indent="0" lvl="0" marL="0" rtl="0" algn="l">
-              <a:spcBef>
-                <a:spcPts val="0"/>
-              </a:spcBef>
-              <a:spcAft>
-                <a:spcPts val="0"/>
-              </a:spcAft>
-              <a:buNone/>
-            </a:pPr>
-            <a:r>
-              <a:t/>
-            </a:r>
-            <a:endParaRPr sz="2000">
+            <a:endParaRPr sz="1900">
               <a:solidFill>
                 <a:srgbClr val="68370F"/>
               </a:solidFill>
@@ -12256,8 +12256,8 @@
         </p:nvSpPr>
         <p:spPr>
           <a:xfrm>
-            <a:off x="684212" y="685800"/>
-            <a:ext cx="8534400" cy="3614737"/>
+            <a:off x="684212" y="1873350"/>
+            <a:ext cx="8534400" cy="3614700"/>
           </a:xfrm>
           <a:prstGeom prst="rect">
             <a:avLst/>
@@ -12286,9 +12286,324 @@
               <a:buNone/>
             </a:pPr>
             <a:r>
+              <a:rPr lang="en-US" sz="2600">
+                <a:solidFill>
+                  <a:schemeClr val="dk1"/>
+                </a:solidFill>
+                <a:latin typeface="Century Gothic"/>
+                <a:ea typeface="Century Gothic"/>
+                <a:cs typeface="Century Gothic"/>
+                <a:sym typeface="Century Gothic"/>
+              </a:rPr>
+              <a:t>Új funkciók hozzáadása:</a:t>
+            </a:r>
+            <a:br>
+              <a:rPr lang="en-US" sz="2600">
+                <a:solidFill>
+                  <a:schemeClr val="dk1"/>
+                </a:solidFill>
+                <a:latin typeface="Century Gothic"/>
+                <a:ea typeface="Century Gothic"/>
+                <a:cs typeface="Century Gothic"/>
+                <a:sym typeface="Century Gothic"/>
+              </a:rPr>
+            </a:br>
+            <a:r>
+              <a:rPr lang="en-US" sz="2600">
+                <a:solidFill>
+                  <a:schemeClr val="dk1"/>
+                </a:solidFill>
+                <a:latin typeface="Century Gothic"/>
+                <a:ea typeface="Century Gothic"/>
+                <a:cs typeface="Century Gothic"/>
+                <a:sym typeface="Century Gothic"/>
+              </a:rPr>
+              <a:t>	Filter lehetőséget</a:t>
+            </a:r>
+            <a:endParaRPr sz="2600">
+              <a:solidFill>
+                <a:schemeClr val="dk1"/>
+              </a:solidFill>
+              <a:latin typeface="Century Gothic"/>
+              <a:ea typeface="Century Gothic"/>
+              <a:cs typeface="Century Gothic"/>
+              <a:sym typeface="Century Gothic"/>
+            </a:endParaRPr>
+          </a:p>
+          <a:p>
+            <a:pPr indent="457200" lvl="0" marL="0" marR="0" rtl="0" algn="l">
+              <a:lnSpc>
+                <a:spcPct val="100000"/>
+              </a:lnSpc>
+              <a:spcBef>
+                <a:spcPts val="0"/>
+              </a:spcBef>
+              <a:spcAft>
+                <a:spcPts val="0"/>
+              </a:spcAft>
+              <a:buNone/>
+            </a:pPr>
+            <a:r>
+              <a:rPr lang="en-US" sz="2600">
+                <a:solidFill>
+                  <a:schemeClr val="dk1"/>
+                </a:solidFill>
+                <a:latin typeface="Century Gothic"/>
+                <a:ea typeface="Century Gothic"/>
+                <a:cs typeface="Century Gothic"/>
+                <a:sym typeface="Century Gothic"/>
+              </a:rPr>
+              <a:t>Keresés felhasználókra </a:t>
+            </a:r>
+            <a:endParaRPr sz="2600">
+              <a:solidFill>
+                <a:schemeClr val="dk1"/>
+              </a:solidFill>
+              <a:latin typeface="Century Gothic"/>
+              <a:ea typeface="Century Gothic"/>
+              <a:cs typeface="Century Gothic"/>
+              <a:sym typeface="Century Gothic"/>
+            </a:endParaRPr>
+          </a:p>
+          <a:p>
+            <a:pPr indent="0" lvl="0" marL="0" marR="0" rtl="0" algn="l">
+              <a:lnSpc>
+                <a:spcPct val="100000"/>
+              </a:lnSpc>
+              <a:spcBef>
+                <a:spcPts val="0"/>
+              </a:spcBef>
+              <a:spcAft>
+                <a:spcPts val="0"/>
+              </a:spcAft>
+              <a:buNone/>
+            </a:pPr>
+            <a:r>
               <a:t/>
             </a:r>
-            <a:endParaRPr b="0" i="0" sz="1800" u="none">
+            <a:endParaRPr sz="2600">
+              <a:solidFill>
+                <a:schemeClr val="dk1"/>
+              </a:solidFill>
+              <a:latin typeface="Century Gothic"/>
+              <a:ea typeface="Century Gothic"/>
+              <a:cs typeface="Century Gothic"/>
+              <a:sym typeface="Century Gothic"/>
+            </a:endParaRPr>
+          </a:p>
+          <a:p>
+            <a:pPr indent="0" lvl="0" marL="0" marR="0" rtl="0" algn="l">
+              <a:lnSpc>
+                <a:spcPct val="100000"/>
+              </a:lnSpc>
+              <a:spcBef>
+                <a:spcPts val="0"/>
+              </a:spcBef>
+              <a:spcAft>
+                <a:spcPts val="0"/>
+              </a:spcAft>
+              <a:buNone/>
+            </a:pPr>
+            <a:r>
+              <a:rPr lang="en-US" sz="2600">
+                <a:solidFill>
+                  <a:schemeClr val="dk1"/>
+                </a:solidFill>
+                <a:latin typeface="Century Gothic"/>
+                <a:ea typeface="Century Gothic"/>
+                <a:cs typeface="Century Gothic"/>
+                <a:sym typeface="Century Gothic"/>
+              </a:rPr>
+              <a:t>Javítani/</a:t>
+            </a:r>
+            <a:r>
+              <a:rPr lang="en-US" sz="2600">
+                <a:solidFill>
+                  <a:schemeClr val="dk1"/>
+                </a:solidFill>
+                <a:latin typeface="Century Gothic"/>
+                <a:ea typeface="Century Gothic"/>
+                <a:cs typeface="Century Gothic"/>
+                <a:sym typeface="Century Gothic"/>
+              </a:rPr>
+              <a:t>bővíteni</a:t>
+            </a:r>
+            <a:r>
+              <a:rPr lang="en-US" sz="2600">
+                <a:solidFill>
+                  <a:schemeClr val="dk1"/>
+                </a:solidFill>
+                <a:latin typeface="Century Gothic"/>
+                <a:ea typeface="Century Gothic"/>
+                <a:cs typeface="Century Gothic"/>
+                <a:sym typeface="Century Gothic"/>
+              </a:rPr>
+              <a:t> a </a:t>
+            </a:r>
+            <a:r>
+              <a:rPr lang="en-US" sz="2600">
+                <a:solidFill>
+                  <a:schemeClr val="dk1"/>
+                </a:solidFill>
+                <a:latin typeface="Century Gothic"/>
+                <a:ea typeface="Century Gothic"/>
+                <a:cs typeface="Century Gothic"/>
+                <a:sym typeface="Century Gothic"/>
+              </a:rPr>
+              <a:t>meglévő</a:t>
+            </a:r>
+            <a:r>
+              <a:rPr lang="en-US" sz="2600">
+                <a:solidFill>
+                  <a:schemeClr val="dk1"/>
+                </a:solidFill>
+                <a:latin typeface="Century Gothic"/>
+                <a:ea typeface="Century Gothic"/>
+                <a:cs typeface="Century Gothic"/>
+                <a:sym typeface="Century Gothic"/>
+              </a:rPr>
+              <a:t> funkciókon:</a:t>
+            </a:r>
+            <a:endParaRPr sz="2600">
+              <a:solidFill>
+                <a:schemeClr val="dk1"/>
+              </a:solidFill>
+              <a:latin typeface="Century Gothic"/>
+              <a:ea typeface="Century Gothic"/>
+              <a:cs typeface="Century Gothic"/>
+              <a:sym typeface="Century Gothic"/>
+            </a:endParaRPr>
+          </a:p>
+          <a:p>
+            <a:pPr indent="457200" lvl="0" marL="0" marR="0" rtl="0" algn="l">
+              <a:lnSpc>
+                <a:spcPct val="100000"/>
+              </a:lnSpc>
+              <a:spcBef>
+                <a:spcPts val="0"/>
+              </a:spcBef>
+              <a:spcAft>
+                <a:spcPts val="0"/>
+              </a:spcAft>
+              <a:buNone/>
+            </a:pPr>
+            <a:r>
+              <a:rPr lang="en-US" sz="2600">
+                <a:solidFill>
+                  <a:schemeClr val="dk1"/>
+                </a:solidFill>
+                <a:latin typeface="Century Gothic"/>
+                <a:ea typeface="Century Gothic"/>
+                <a:cs typeface="Century Gothic"/>
+                <a:sym typeface="Century Gothic"/>
+              </a:rPr>
+              <a:t>A design fejlesztése pl. világos és sötét mód</a:t>
+            </a:r>
+            <a:endParaRPr sz="2600">
+              <a:solidFill>
+                <a:schemeClr val="dk1"/>
+              </a:solidFill>
+              <a:latin typeface="Century Gothic"/>
+              <a:ea typeface="Century Gothic"/>
+              <a:cs typeface="Century Gothic"/>
+              <a:sym typeface="Century Gothic"/>
+            </a:endParaRPr>
+          </a:p>
+          <a:p>
+            <a:pPr indent="457200" lvl="0" marL="0" marR="0" rtl="0" algn="l">
+              <a:lnSpc>
+                <a:spcPct val="100000"/>
+              </a:lnSpc>
+              <a:spcBef>
+                <a:spcPts val="0"/>
+              </a:spcBef>
+              <a:spcAft>
+                <a:spcPts val="0"/>
+              </a:spcAft>
+              <a:buNone/>
+            </a:pPr>
+            <a:r>
+              <a:rPr lang="en-US" sz="2600">
+                <a:solidFill>
+                  <a:schemeClr val="dk1"/>
+                </a:solidFill>
+                <a:latin typeface="Century Gothic"/>
+                <a:ea typeface="Century Gothic"/>
+                <a:cs typeface="Century Gothic"/>
+                <a:sym typeface="Century Gothic"/>
+              </a:rPr>
+              <a:t>B</a:t>
+            </a:r>
+            <a:r>
+              <a:rPr lang="en-US" sz="2600">
+                <a:solidFill>
+                  <a:schemeClr val="dk1"/>
+                </a:solidFill>
+                <a:latin typeface="Century Gothic"/>
+                <a:ea typeface="Century Gothic"/>
+                <a:cs typeface="Century Gothic"/>
+                <a:sym typeface="Century Gothic"/>
+              </a:rPr>
+              <a:t>őviteni a tárházunkat több fajta és féle könyvel</a:t>
+            </a:r>
+            <a:endParaRPr sz="2600">
+              <a:solidFill>
+                <a:schemeClr val="dk1"/>
+              </a:solidFill>
+              <a:latin typeface="Century Gothic"/>
+              <a:ea typeface="Century Gothic"/>
+              <a:cs typeface="Century Gothic"/>
+              <a:sym typeface="Century Gothic"/>
+            </a:endParaRPr>
+          </a:p>
+          <a:p>
+            <a:pPr indent="457200" lvl="0" marL="0" marR="0" rtl="0" algn="l">
+              <a:lnSpc>
+                <a:spcPct val="100000"/>
+              </a:lnSpc>
+              <a:spcBef>
+                <a:spcPts val="0"/>
+              </a:spcBef>
+              <a:spcAft>
+                <a:spcPts val="0"/>
+              </a:spcAft>
+              <a:buNone/>
+            </a:pPr>
+            <a:r>
+              <a:rPr lang="en-US" sz="2600">
+                <a:solidFill>
+                  <a:schemeClr val="dk1"/>
+                </a:solidFill>
+                <a:latin typeface="Century Gothic"/>
+                <a:ea typeface="Century Gothic"/>
+                <a:cs typeface="Century Gothic"/>
+                <a:sym typeface="Century Gothic"/>
+              </a:rPr>
+              <a:t>Fejleszteni a felhasználói élményt</a:t>
+            </a:r>
+            <a:br>
+              <a:rPr lang="en-US" sz="2000">
+                <a:solidFill>
+                  <a:srgbClr val="FFFFFF"/>
+                </a:solidFill>
+                <a:latin typeface="Century Gothic"/>
+                <a:ea typeface="Century Gothic"/>
+                <a:cs typeface="Century Gothic"/>
+                <a:sym typeface="Century Gothic"/>
+              </a:rPr>
+            </a:br>
+            <a:br>
+              <a:rPr lang="en-US" sz="2000">
+                <a:solidFill>
+                  <a:srgbClr val="FFFFFF"/>
+                </a:solidFill>
+                <a:latin typeface="Century Gothic"/>
+                <a:ea typeface="Century Gothic"/>
+                <a:cs typeface="Century Gothic"/>
+                <a:sym typeface="Century Gothic"/>
+              </a:rPr>
+            </a:br>
+            <a:endParaRPr b="0" i="0" sz="2000" u="none">
               <a:solidFill>
                 <a:srgbClr val="FFFFFF"/>
               </a:solidFill>
@@ -12297,6 +12612,88 @@
               <a:cs typeface="Century Gothic"/>
               <a:sym typeface="Century Gothic"/>
             </a:endParaRPr>
+          </a:p>
+        </p:txBody>
+      </p:sp>
+      <p:sp>
+        <p:nvSpPr>
+          <p:cNvPr id="103" name="Google Shape;103;p5"/>
+          <p:cNvSpPr txBox="1"/>
+          <p:nvPr/>
+        </p:nvSpPr>
+        <p:spPr>
+          <a:xfrm>
+            <a:off x="535150" y="264962"/>
+            <a:ext cx="8534400" cy="1506600"/>
+          </a:xfrm>
+          <a:prstGeom prst="rect">
+            <a:avLst/>
+          </a:prstGeom>
+          <a:noFill/>
+          <a:ln>
+            <a:noFill/>
+          </a:ln>
+        </p:spPr>
+        <p:txBody>
+          <a:bodyPr anchorCtr="0" anchor="ctr" bIns="45700" lIns="91425" spcFirstLastPara="1" rIns="91425" wrap="square" tIns="45700">
+            <a:noAutofit/>
+          </a:bodyPr>
+          <a:lstStyle/>
+          <a:p>
+            <a:pPr indent="0" lvl="0" marL="0" marR="0" rtl="0" algn="l">
+              <a:lnSpc>
+                <a:spcPct val="100000"/>
+              </a:lnSpc>
+              <a:spcBef>
+                <a:spcPts val="0"/>
+              </a:spcBef>
+              <a:spcAft>
+                <a:spcPts val="0"/>
+              </a:spcAft>
+              <a:buClr>
+                <a:srgbClr val="FFFFFF"/>
+              </a:buClr>
+              <a:buSzPts val="3600"/>
+              <a:buFont typeface="Century Gothic"/>
+              <a:buNone/>
+            </a:pPr>
+            <a:r>
+              <a:rPr lang="en-US" sz="4000">
+                <a:solidFill>
+                  <a:srgbClr val="FFFFFF"/>
+                </a:solidFill>
+                <a:latin typeface="Century Gothic"/>
+                <a:ea typeface="Century Gothic"/>
+                <a:cs typeface="Century Gothic"/>
+                <a:sym typeface="Century Gothic"/>
+              </a:rPr>
+              <a:t>Tervek a </a:t>
+            </a:r>
+            <a:r>
+              <a:rPr lang="en-US" sz="4000">
+                <a:solidFill>
+                  <a:srgbClr val="FFFFFF"/>
+                </a:solidFill>
+                <a:latin typeface="Century Gothic"/>
+                <a:ea typeface="Century Gothic"/>
+                <a:cs typeface="Century Gothic"/>
+                <a:sym typeface="Century Gothic"/>
+              </a:rPr>
+              <a:t>jövőre</a:t>
+            </a:r>
+            <a:r>
+              <a:rPr lang="en-US" sz="4000">
+                <a:solidFill>
+                  <a:srgbClr val="FFFFFF"/>
+                </a:solidFill>
+                <a:latin typeface="Century Gothic"/>
+                <a:ea typeface="Century Gothic"/>
+                <a:cs typeface="Century Gothic"/>
+                <a:sym typeface="Century Gothic"/>
+              </a:rPr>
+              <a:t>:</a:t>
+            </a:r>
+            <a:endParaRPr sz="1800"/>
           </a:p>
         </p:txBody>
       </p:sp>
@@ -12328,7 +12725,7 @@
     </p:bg>
     <p:spTree>
       <p:nvGrpSpPr>
-        <p:cNvPr id="106" name="Shape 106"/>
+        <p:cNvPr id="107" name="Shape 107"/>
         <p:cNvGrpSpPr/>
         <p:nvPr/>
       </p:nvGrpSpPr>
@@ -12342,7 +12739,7 @@
       </p:grpSpPr>
       <p:sp>
         <p:nvSpPr>
-          <p:cNvPr id="107" name="Google Shape;107;p7"/>
+          <p:cNvPr id="108" name="Google Shape;108;p7"/>
           <p:cNvSpPr txBox="1"/>
           <p:nvPr/>
         </p:nvSpPr>
@@ -12400,7 +12797,7 @@
       </p:sp>
       <p:sp>
         <p:nvSpPr>
-          <p:cNvPr id="108" name="Google Shape;108;p7"/>
+          <p:cNvPr id="109" name="Google Shape;109;p7"/>
           <p:cNvSpPr txBox="1"/>
           <p:nvPr/>
         </p:nvSpPr>
@@ -12441,6 +12838,18 @@
               <a:buChar char="▶"/>
             </a:pPr>
             <a:r>
+              <a:rPr b="0" i="0" lang="en-US" sz="2400" u="none">
+                <a:solidFill>
+                  <a:srgbClr val="000000"/>
+                </a:solidFill>
+                <a:latin typeface="Century Gothic"/>
+                <a:ea typeface="Century Gothic"/>
+                <a:cs typeface="Century Gothic"/>
+                <a:sym typeface="Century Gothic"/>
+              </a:rPr>
+              <a:t>Github:</a:t>
+            </a:r>
+            <a:r>
               <a:rPr b="0" i="0" lang="en-US" sz="2000" u="none">
                 <a:solidFill>
                   <a:srgbClr val="000000"/>
@@ -12450,7 +12859,7 @@
                 <a:cs typeface="Century Gothic"/>
                 <a:sym typeface="Century Gothic"/>
               </a:rPr>
-              <a:t>Github: </a:t>
+              <a:t> </a:t>
             </a:r>
             <a:r>
               <a:rPr b="0" i="0" lang="en-US" sz="2000" u="sng">
@@ -13042,9 +13451,9 @@
 </file>
 
 <file path=ppt/theme/theme3.xml><?xml version="1.0" encoding="utf-8"?>
-<a:theme xmlns:a="http://schemas.openxmlformats.org/drawingml/2006/main" xmlns:r="http://schemas.openxmlformats.org/officeDocument/2006/relationships" name="POI_THEME_TEMPLATE_DESIGN">
+<a:theme xmlns:a="http://schemas.openxmlformats.org/drawingml/2006/main" xmlns:r="http://schemas.openxmlformats.org/officeDocument/2006/relationships">
   <a:themeElements>
-    <a:clrScheme name="POI_THEME_TEMPLATE_DESIGN">
+    <a:clrScheme name="Default">
       <a:dk1>
         <a:srgbClr val="000000"/>
       </a:dk1>
@@ -13052,34 +13461,34 @@
         <a:srgbClr val="FFFFFF"/>
       </a:lt1>
       <a:dk2>
-        <a:srgbClr val="000000"/>
+        <a:srgbClr val="158158"/>
       </a:dk2>
       <a:lt2>
-        <a:srgbClr val="808080"/>
+        <a:srgbClr val="F3F3F3"/>
       </a:lt2>
       <a:accent1>
-        <a:srgbClr val="00CC99"/>
+        <a:srgbClr val="058DC7"/>
       </a:accent1>
       <a:accent2>
-        <a:srgbClr val="3333CC"/>
+        <a:srgbClr val="50B432"/>
       </a:accent2>
       <a:accent3>
-        <a:srgbClr val="FFFFFF"/>
+        <a:srgbClr val="ED561B"/>
       </a:accent3>
       <a:accent4>
-        <a:srgbClr val="00CC99"/>
+        <a:srgbClr val="EDEF00"/>
       </a:accent4>
       <a:accent5>
-        <a:srgbClr val="3333CC"/>
+        <a:srgbClr val="24CBE5"/>
       </a:accent5>
       <a:accent6>
-        <a:srgbClr val="FFFFFF"/>
+        <a:srgbClr val="64E572"/>
       </a:accent6>
       <a:hlink>
-        <a:srgbClr val="CCCCFF"/>
+        <a:srgbClr val="2200CC"/>
       </a:hlink>
       <a:folHlink>
-        <a:srgbClr val="B2B2B2"/>
+        <a:srgbClr val="551A8B"/>
       </a:folHlink>
     </a:clrScheme>
     <a:fontScheme name="Office">
@@ -13600,9 +14009,9 @@
 </file>
 
 <file path=ppt/theme/theme5.xml><?xml version="1.0" encoding="utf-8"?>
-<a:theme xmlns:a="http://schemas.openxmlformats.org/drawingml/2006/main" xmlns:r="http://schemas.openxmlformats.org/officeDocument/2006/relationships">
+<a:theme xmlns:a="http://schemas.openxmlformats.org/drawingml/2006/main" xmlns:r="http://schemas.openxmlformats.org/officeDocument/2006/relationships" name="POI_THEME_TEMPLATE_DESIGN">
   <a:themeElements>
-    <a:clrScheme name="Default">
+    <a:clrScheme name="POI_THEME_TEMPLATE_DESIGN">
       <a:dk1>
         <a:srgbClr val="000000"/>
       </a:dk1>
@@ -13610,34 +14019,34 @@
         <a:srgbClr val="FFFFFF"/>
       </a:lt1>
       <a:dk2>
-        <a:srgbClr val="158158"/>
+        <a:srgbClr val="000000"/>
       </a:dk2>
       <a:lt2>
-        <a:srgbClr val="F3F3F3"/>
+        <a:srgbClr val="808080"/>
       </a:lt2>
       <a:accent1>
-        <a:srgbClr val="058DC7"/>
+        <a:srgbClr val="00CC99"/>
       </a:accent1>
       <a:accent2>
-        <a:srgbClr val="50B432"/>
+        <a:srgbClr val="3333CC"/>
       </a:accent2>
       <a:accent3>
-        <a:srgbClr val="ED561B"/>
+        <a:srgbClr val="FFFFFF"/>
       </a:accent3>
       <a:accent4>
-        <a:srgbClr val="EDEF00"/>
+        <a:srgbClr val="00CC99"/>
       </a:accent4>
       <a:accent5>
-        <a:srgbClr val="24CBE5"/>
+        <a:srgbClr val="3333CC"/>
       </a:accent5>
       <a:accent6>
-        <a:srgbClr val="64E572"/>
+        <a:srgbClr val="FFFFFF"/>
       </a:accent6>
       <a:hlink>
-        <a:srgbClr val="2200CC"/>
+        <a:srgbClr val="CCCCFF"/>
       </a:hlink>
       <a:folHlink>
-        <a:srgbClr val="551A8B"/>
+        <a:srgbClr val="B2B2B2"/>
       </a:folHlink>
     </a:clrScheme>
     <a:fontScheme name="Office">
